--- a/t20.pptx
+++ b/t20.pptx
@@ -6,13 +6,11 @@
   </p:sldMasterIdLst>
   <p:sldIdLst>
     <p:sldId id="256" r:id="rId5"/>
-    <p:sldId id="257" r:id="rId6"/>
-    <p:sldId id="258" r:id="rId7"/>
   </p:sldIdLst>
   <p:sldSz cx="12192000" cy="6858000"/>
   <p:notesSz cx="6858000" cy="9144000"/>
   <p:custDataLst>
-    <p:tags r:id="rId8"/>
+    <p:tags r:id="rId6"/>
   </p:custDataLst>
   <p:defaultTextStyle>
     <a:defPPr>
@@ -3513,813 +3511,6 @@
 </p:sld>
 </file>
 
-<file path=ppt/slides/slide2.xml><?xml version="1.0" encoding="utf-8"?>
-<p:sld xmlns:a="http://schemas.openxmlformats.org/drawingml/2006/main" xmlns:r="http://schemas.openxmlformats.org/officeDocument/2006/relationships" xmlns:p="http://schemas.openxmlformats.org/presentationml/2006/main">
-  <p:cSld>
-    <p:spTree>
-      <p:nvGrpSpPr>
-        <p:cNvPr id="1" name=""/>
-        <p:cNvGrpSpPr/>
-        <p:nvPr/>
-      </p:nvGrpSpPr>
-      <p:grpSpPr>
-        <a:xfrm>
-          <a:off x="0" y="0"/>
-          <a:ext cx="0" cy="0"/>
-          <a:chOff x="0" y="0"/>
-          <a:chExt cx="0" cy="0"/>
-        </a:xfrm>
-      </p:grpSpPr>
-      <p:sp>
-        <p:nvSpPr>
-          <p:cNvPr id="16" name="InstallationHelpHeader">
-            <a:extLst>
-              <a:ext uri="{FF2B5EF4-FFF2-40B4-BE49-F238E27FC236}">
-                <a16:creationId xmlns:a16="http://schemas.microsoft.com/office/drawing/2014/main" id="{64C02631-9FDD-4AF6-94C6-2FA9F2831D20}"/>
-              </a:ext>
-            </a:extLst>
-          </p:cNvPr>
-          <p:cNvSpPr txBox="1"/>
-          <p:nvPr/>
-        </p:nvSpPr>
-        <p:spPr>
-          <a:xfrm>
-            <a:off x="914400" y="4916126"/>
-            <a:ext cx="10063307" cy="346765"/>
-          </a:xfrm>
-          <a:prstGeom prst="rect">
-            <a:avLst/>
-          </a:prstGeom>
-          <a:noFill/>
-          <a:ln w="9525" cmpd="sng">
-            <a:noFill/>
-          </a:ln>
-        </p:spPr>
-        <p:style>
-          <a:lnRef idx="0">
-            <a:scrgbClr r="0" g="0" b="0"/>
-          </a:lnRef>
-          <a:fillRef idx="0">
-            <a:scrgbClr r="0" g="0" b="0"/>
-          </a:fillRef>
-          <a:effectRef idx="0">
-            <a:scrgbClr r="0" g="0" b="0"/>
-          </a:effectRef>
-          <a:fontRef idx="minor">
-            <a:schemeClr val="dk1"/>
-          </a:fontRef>
-        </p:style>
-        <p:txBody>
-          <a:bodyPr wrap="square" lIns="0" rtlCol="0" anchor="ctr" anchorCtr="0">
-            <a:normAutofit lnSpcReduction="10000"/>
-          </a:bodyPr>
-          <a:lstStyle>
-            <a:lvl1pPr marL="0" indent="0">
-              <a:defRPr sz="1100">
-                <a:solidFill>
-                  <a:schemeClr val="dk1"/>
-                </a:solidFill>
-                <a:latin typeface="+mn-lt"/>
-                <a:ea typeface="+mn-ea"/>
-                <a:cs typeface="+mn-cs"/>
-              </a:defRPr>
-            </a:lvl1pPr>
-            <a:lvl2pPr marL="457200" indent="0">
-              <a:defRPr sz="1100">
-                <a:solidFill>
-                  <a:schemeClr val="dk1"/>
-                </a:solidFill>
-                <a:latin typeface="+mn-lt"/>
-                <a:ea typeface="+mn-ea"/>
-                <a:cs typeface="+mn-cs"/>
-              </a:defRPr>
-            </a:lvl2pPr>
-            <a:lvl3pPr marL="914400" indent="0">
-              <a:defRPr sz="1100">
-                <a:solidFill>
-                  <a:schemeClr val="dk1"/>
-                </a:solidFill>
-                <a:latin typeface="+mn-lt"/>
-                <a:ea typeface="+mn-ea"/>
-                <a:cs typeface="+mn-cs"/>
-              </a:defRPr>
-            </a:lvl3pPr>
-            <a:lvl4pPr marL="1371600" indent="0">
-              <a:defRPr sz="1100">
-                <a:solidFill>
-                  <a:schemeClr val="dk1"/>
-                </a:solidFill>
-                <a:latin typeface="+mn-lt"/>
-                <a:ea typeface="+mn-ea"/>
-                <a:cs typeface="+mn-cs"/>
-              </a:defRPr>
-            </a:lvl4pPr>
-            <a:lvl5pPr marL="1828800" indent="0">
-              <a:defRPr sz="1100">
-                <a:solidFill>
-                  <a:schemeClr val="dk1"/>
-                </a:solidFill>
-                <a:latin typeface="+mn-lt"/>
-                <a:ea typeface="+mn-ea"/>
-                <a:cs typeface="+mn-cs"/>
-              </a:defRPr>
-            </a:lvl5pPr>
-            <a:lvl6pPr marL="2286000" indent="0">
-              <a:defRPr sz="1100">
-                <a:solidFill>
-                  <a:schemeClr val="dk1"/>
-                </a:solidFill>
-                <a:latin typeface="+mn-lt"/>
-                <a:ea typeface="+mn-ea"/>
-                <a:cs typeface="+mn-cs"/>
-              </a:defRPr>
-            </a:lvl6pPr>
-            <a:lvl7pPr marL="2743200" indent="0">
-              <a:defRPr sz="1100">
-                <a:solidFill>
-                  <a:schemeClr val="dk1"/>
-                </a:solidFill>
-                <a:latin typeface="+mn-lt"/>
-                <a:ea typeface="+mn-ea"/>
-                <a:cs typeface="+mn-cs"/>
-              </a:defRPr>
-            </a:lvl7pPr>
-            <a:lvl8pPr marL="3200400" indent="0">
-              <a:defRPr sz="1100">
-                <a:solidFill>
-                  <a:schemeClr val="dk1"/>
-                </a:solidFill>
-                <a:latin typeface="+mn-lt"/>
-                <a:ea typeface="+mn-ea"/>
-                <a:cs typeface="+mn-cs"/>
-              </a:defRPr>
-            </a:lvl8pPr>
-            <a:lvl9pPr marL="3657600" indent="0">
-              <a:defRPr sz="1100">
-                <a:solidFill>
-                  <a:schemeClr val="dk1"/>
-                </a:solidFill>
-                <a:latin typeface="+mn-lt"/>
-                <a:ea typeface="+mn-ea"/>
-                <a:cs typeface="+mn-cs"/>
-              </a:defRPr>
-            </a:lvl9pPr>
-          </a:lstStyle>
-          <a:p>
-            <a:endParaRPr lang="en-US" sz="1800" b="0" i="0" dirty="0">
-              <a:latin typeface="Segoe UI Light" panose="020B0502040204020203" pitchFamily="34" charset="0"/>
-              <a:cs typeface="Segoe UI Light" panose="020B0502040204020203" pitchFamily="34" charset="0"/>
-            </a:endParaRPr>
-          </a:p>
-        </p:txBody>
-      </p:sp>
-      <p:sp>
-        <p:nvSpPr>
-          <p:cNvPr id="26" name="MyAdd-ins">
-            <a:extLst>
-              <a:ext uri="{FF2B5EF4-FFF2-40B4-BE49-F238E27FC236}">
-                <a16:creationId xmlns:a16="http://schemas.microsoft.com/office/drawing/2014/main" id="{34C66630-1529-4E04-957D-AA0BBAACDAAA}"/>
-              </a:ext>
-            </a:extLst>
-          </p:cNvPr>
-          <p:cNvSpPr txBox="1"/>
-          <p:nvPr/>
-        </p:nvSpPr>
-        <p:spPr>
-          <a:xfrm>
-            <a:off x="4851444" y="3310791"/>
-            <a:ext cx="1016635" cy="316865"/>
-          </a:xfrm>
-          <a:prstGeom prst="rect">
-            <a:avLst/>
-          </a:prstGeom>
-          <a:noFill/>
-        </p:spPr>
-        <p:txBody>
-          <a:bodyPr wrap="square" lIns="0" tIns="0" rIns="0" bIns="0" rtlCol="0" anchor="ctr" anchorCtr="0">
-            <a:noAutofit/>
-          </a:bodyPr>
-          <a:lstStyle/>
-          <a:p>
-            <a:pPr>
-              <a:lnSpc>
-                <a:spcPct val="105000"/>
-              </a:lnSpc>
-              <a:spcAft>
-                <a:spcPts val="0"/>
-              </a:spcAft>
-            </a:pPr>
-            <a:r>
-              <a:rPr lang="en-GB" sz="1000" kern="1200" dirty="0">
-                <a:solidFill>
-                  <a:srgbClr val="404040"/>
-                </a:solidFill>
-                <a:effectLst/>
-                <a:latin typeface="Segoe UI Semibold" panose="020B0702040204020203" pitchFamily="34" charset="0"/>
-                <a:ea typeface="Times New Roman" panose="02020603050405020304" pitchFamily="18" charset="0"/>
-              </a:rPr>
-              <a:t>My Add-ins</a:t>
-            </a:r>
-            <a:endParaRPr lang="en-IE" sz="1200" dirty="0">
-              <a:effectLst/>
-              <a:latin typeface="Times New Roman" panose="02020603050405020304" pitchFamily="18" charset="0"/>
-              <a:ea typeface="Times New Roman" panose="02020603050405020304" pitchFamily="18" charset="0"/>
-            </a:endParaRPr>
-          </a:p>
-        </p:txBody>
-      </p:sp>
-      <p:sp>
-        <p:nvSpPr>
-          <p:cNvPr id="19" name="TabName">
-            <a:extLst>
-              <a:ext uri="{FF2B5EF4-FFF2-40B4-BE49-F238E27FC236}">
-                <a16:creationId xmlns:a16="http://schemas.microsoft.com/office/drawing/2014/main" id="{703C7623-FC76-4CD5-823D-9B14460DB9E1}"/>
-              </a:ext>
-            </a:extLst>
-          </p:cNvPr>
-          <p:cNvSpPr txBox="1"/>
-          <p:nvPr/>
-        </p:nvSpPr>
-        <p:spPr>
-          <a:xfrm>
-            <a:off x="2249496" y="2737247"/>
-            <a:ext cx="1131132" cy="318702"/>
-          </a:xfrm>
-          <a:prstGeom prst="rect">
-            <a:avLst/>
-          </a:prstGeom>
-          <a:noFill/>
-        </p:spPr>
-        <p:txBody>
-          <a:bodyPr wrap="square" lIns="0" tIns="0" rIns="0" bIns="0" rtlCol="0" anchor="ctr" anchorCtr="0">
-            <a:noAutofit/>
-          </a:bodyPr>
-          <a:lstStyle>
-            <a:lvl1pPr marL="0" indent="0">
-              <a:defRPr sz="1100">
-                <a:latin typeface="+mn-lt"/>
-                <a:ea typeface="+mn-ea"/>
-                <a:cs typeface="+mn-cs"/>
-              </a:defRPr>
-            </a:lvl1pPr>
-            <a:lvl2pPr marL="457200" indent="0">
-              <a:defRPr sz="1100">
-                <a:latin typeface="+mn-lt"/>
-                <a:ea typeface="+mn-ea"/>
-                <a:cs typeface="+mn-cs"/>
-              </a:defRPr>
-            </a:lvl2pPr>
-            <a:lvl3pPr marL="914400" indent="0">
-              <a:defRPr sz="1100">
-                <a:latin typeface="+mn-lt"/>
-                <a:ea typeface="+mn-ea"/>
-                <a:cs typeface="+mn-cs"/>
-              </a:defRPr>
-            </a:lvl3pPr>
-            <a:lvl4pPr marL="1371600" indent="0">
-              <a:defRPr sz="1100">
-                <a:latin typeface="+mn-lt"/>
-                <a:ea typeface="+mn-ea"/>
-                <a:cs typeface="+mn-cs"/>
-              </a:defRPr>
-            </a:lvl4pPr>
-            <a:lvl5pPr marL="1828800" indent="0">
-              <a:defRPr sz="1100">
-                <a:latin typeface="+mn-lt"/>
-                <a:ea typeface="+mn-ea"/>
-                <a:cs typeface="+mn-cs"/>
-              </a:defRPr>
-            </a:lvl5pPr>
-            <a:lvl6pPr marL="2286000" indent="0">
-              <a:defRPr sz="1100">
-                <a:latin typeface="+mn-lt"/>
-                <a:ea typeface="+mn-ea"/>
-                <a:cs typeface="+mn-cs"/>
-              </a:defRPr>
-            </a:lvl6pPr>
-            <a:lvl7pPr marL="2743200" indent="0">
-              <a:defRPr sz="1100">
-                <a:latin typeface="+mn-lt"/>
-                <a:ea typeface="+mn-ea"/>
-                <a:cs typeface="+mn-cs"/>
-              </a:defRPr>
-            </a:lvl7pPr>
-            <a:lvl8pPr marL="3200400" indent="0">
-              <a:defRPr sz="1100">
-                <a:latin typeface="+mn-lt"/>
-                <a:ea typeface="+mn-ea"/>
-                <a:cs typeface="+mn-cs"/>
-              </a:defRPr>
-            </a:lvl8pPr>
-            <a:lvl9pPr marL="3657600" indent="0">
-              <a:defRPr sz="1100">
-                <a:latin typeface="+mn-lt"/>
-                <a:ea typeface="+mn-ea"/>
-                <a:cs typeface="+mn-cs"/>
-              </a:defRPr>
-            </a:lvl9pPr>
-          </a:lstStyle>
-          <a:p>
-            <a:pPr algn="ctr">
-              <a:lnSpc>
-                <a:spcPct val="105000"/>
-              </a:lnSpc>
-              <a:spcAft>
-                <a:spcPts val="0"/>
-              </a:spcAft>
-            </a:pPr>
-            <a:r>
-              <a:rPr lang="en-GB" sz="1000" kern="1200" dirty="0">
-                <a:solidFill>
-                  <a:srgbClr val="B7472A"/>
-                </a:solidFill>
-                <a:effectLst/>
-                <a:latin typeface="Segoe UI Semibold" panose="020B0702040204020203" pitchFamily="34" charset="0"/>
-                <a:ea typeface="Times New Roman" panose="02020603050405020304" pitchFamily="18" charset="0"/>
-              </a:rPr>
-              <a:t>Insert</a:t>
-            </a:r>
-            <a:endParaRPr lang="en-IE" sz="1200" dirty="0">
-              <a:solidFill>
-                <a:srgbClr val="B7472A"/>
-              </a:solidFill>
-              <a:effectLst/>
-              <a:latin typeface="Times New Roman" panose="02020603050405020304" pitchFamily="18" charset="0"/>
-              <a:ea typeface="Times New Roman" panose="02020603050405020304" pitchFamily="18" charset="0"/>
-            </a:endParaRPr>
-          </a:p>
-        </p:txBody>
-      </p:sp>
-      <p:sp>
-        <p:nvSpPr>
-          <p:cNvPr id="20" name="LaunchHelpContent2">
-            <a:extLst>
-              <a:ext uri="{FF2B5EF4-FFF2-40B4-BE49-F238E27FC236}">
-                <a16:creationId xmlns:a16="http://schemas.microsoft.com/office/drawing/2014/main" id="{2F3500B0-385B-4A8E-970C-87A5162E2948}"/>
-              </a:ext>
-            </a:extLst>
-          </p:cNvPr>
-          <p:cNvSpPr txBox="1"/>
-          <p:nvPr/>
-        </p:nvSpPr>
-        <p:spPr>
-          <a:xfrm>
-            <a:off x="11152554" y="2125098"/>
-            <a:ext cx="992265" cy="334055"/>
-          </a:xfrm>
-          <a:prstGeom prst="rect">
-            <a:avLst/>
-          </a:prstGeom>
-          <a:noFill/>
-          <a:ln w="9525" cmpd="sng">
-            <a:noFill/>
-          </a:ln>
-        </p:spPr>
-        <p:style>
-          <a:lnRef idx="0">
-            <a:scrgbClr r="0" g="0" b="0"/>
-          </a:lnRef>
-          <a:fillRef idx="0">
-            <a:scrgbClr r="0" g="0" b="0"/>
-          </a:fillRef>
-          <a:effectRef idx="0">
-            <a:scrgbClr r="0" g="0" b="0"/>
-          </a:effectRef>
-          <a:fontRef idx="minor">
-            <a:schemeClr val="dk1"/>
-          </a:fontRef>
-        </p:style>
-        <p:txBody>
-          <a:bodyPr wrap="none" lIns="0" rtlCol="0" anchor="ctr" anchorCtr="0">
-            <a:normAutofit/>
-          </a:bodyPr>
-          <a:lstStyle>
-            <a:lvl1pPr marL="0" indent="0">
-              <a:defRPr sz="1100">
-                <a:solidFill>
-                  <a:schemeClr val="dk1"/>
-                </a:solidFill>
-                <a:latin typeface="+mn-lt"/>
-                <a:ea typeface="+mn-ea"/>
-                <a:cs typeface="+mn-cs"/>
-              </a:defRPr>
-            </a:lvl1pPr>
-            <a:lvl2pPr marL="457200" indent="0">
-              <a:defRPr sz="1100">
-                <a:solidFill>
-                  <a:schemeClr val="dk1"/>
-                </a:solidFill>
-                <a:latin typeface="+mn-lt"/>
-                <a:ea typeface="+mn-ea"/>
-                <a:cs typeface="+mn-cs"/>
-              </a:defRPr>
-            </a:lvl2pPr>
-            <a:lvl3pPr marL="914400" indent="0">
-              <a:defRPr sz="1100">
-                <a:solidFill>
-                  <a:schemeClr val="dk1"/>
-                </a:solidFill>
-                <a:latin typeface="+mn-lt"/>
-                <a:ea typeface="+mn-ea"/>
-                <a:cs typeface="+mn-cs"/>
-              </a:defRPr>
-            </a:lvl3pPr>
-            <a:lvl4pPr marL="1371600" indent="0">
-              <a:defRPr sz="1100">
-                <a:solidFill>
-                  <a:schemeClr val="dk1"/>
-                </a:solidFill>
-                <a:latin typeface="+mn-lt"/>
-                <a:ea typeface="+mn-ea"/>
-                <a:cs typeface="+mn-cs"/>
-              </a:defRPr>
-            </a:lvl4pPr>
-            <a:lvl5pPr marL="1828800" indent="0">
-              <a:defRPr sz="1100">
-                <a:solidFill>
-                  <a:schemeClr val="dk1"/>
-                </a:solidFill>
-                <a:latin typeface="+mn-lt"/>
-                <a:ea typeface="+mn-ea"/>
-                <a:cs typeface="+mn-cs"/>
-              </a:defRPr>
-            </a:lvl5pPr>
-            <a:lvl6pPr marL="2286000" indent="0">
-              <a:defRPr sz="1100">
-                <a:solidFill>
-                  <a:schemeClr val="dk1"/>
-                </a:solidFill>
-                <a:latin typeface="+mn-lt"/>
-                <a:ea typeface="+mn-ea"/>
-                <a:cs typeface="+mn-cs"/>
-              </a:defRPr>
-            </a:lvl6pPr>
-            <a:lvl7pPr marL="2743200" indent="0">
-              <a:defRPr sz="1100">
-                <a:solidFill>
-                  <a:schemeClr val="dk1"/>
-                </a:solidFill>
-                <a:latin typeface="+mn-lt"/>
-                <a:ea typeface="+mn-ea"/>
-                <a:cs typeface="+mn-cs"/>
-              </a:defRPr>
-            </a:lvl7pPr>
-            <a:lvl8pPr marL="3200400" indent="0">
-              <a:defRPr sz="1100">
-                <a:solidFill>
-                  <a:schemeClr val="dk1"/>
-                </a:solidFill>
-                <a:latin typeface="+mn-lt"/>
-                <a:ea typeface="+mn-ea"/>
-                <a:cs typeface="+mn-cs"/>
-              </a:defRPr>
-            </a:lvl8pPr>
-            <a:lvl9pPr marL="3657600" indent="0">
-              <a:defRPr sz="1100">
-                <a:solidFill>
-                  <a:schemeClr val="dk1"/>
-                </a:solidFill>
-                <a:latin typeface="+mn-lt"/>
-                <a:ea typeface="+mn-ea"/>
-                <a:cs typeface="+mn-cs"/>
-              </a:defRPr>
-            </a:lvl9pPr>
-          </a:lstStyle>
-          <a:p>
-            <a:endParaRPr lang="en-US" sz="1200" b="0" i="0" dirty="0">
-              <a:latin typeface="Segoe UI Semibold" panose="020B0702040204020203" pitchFamily="34" charset="0"/>
-              <a:cs typeface="Segoe UI Semibold" panose="020B0702040204020203" pitchFamily="34" charset="0"/>
-            </a:endParaRPr>
-          </a:p>
-        </p:txBody>
-      </p:sp>
-      <p:sp>
-        <p:nvSpPr>
-          <p:cNvPr id="21" name="LaunchHelpContent1">
-            <a:extLst>
-              <a:ext uri="{FF2B5EF4-FFF2-40B4-BE49-F238E27FC236}">
-                <a16:creationId xmlns:a16="http://schemas.microsoft.com/office/drawing/2014/main" id="{3DDB314C-721F-4AB1-903B-8A65D874228D}"/>
-              </a:ext>
-            </a:extLst>
-          </p:cNvPr>
-          <p:cNvSpPr txBox="1"/>
-          <p:nvPr/>
-        </p:nvSpPr>
-        <p:spPr>
-          <a:xfrm>
-            <a:off x="914400" y="1791044"/>
-            <a:ext cx="10863192" cy="334054"/>
-          </a:xfrm>
-          <a:prstGeom prst="rect">
-            <a:avLst/>
-          </a:prstGeom>
-          <a:noFill/>
-          <a:ln w="9525" cmpd="sng">
-            <a:noFill/>
-          </a:ln>
-        </p:spPr>
-        <p:style>
-          <a:lnRef idx="0">
-            <a:scrgbClr r="0" g="0" b="0"/>
-          </a:lnRef>
-          <a:fillRef idx="0">
-            <a:scrgbClr r="0" g="0" b="0"/>
-          </a:fillRef>
-          <a:effectRef idx="0">
-            <a:scrgbClr r="0" g="0" b="0"/>
-          </a:effectRef>
-          <a:fontRef idx="minor">
-            <a:schemeClr val="dk1"/>
-          </a:fontRef>
-        </p:style>
-        <p:txBody>
-          <a:bodyPr wrap="none" lIns="0" rtlCol="0" anchor="ctr" anchorCtr="0">
-            <a:normAutofit/>
-          </a:bodyPr>
-          <a:lstStyle>
-            <a:lvl1pPr marL="0" indent="0">
-              <a:defRPr sz="1100">
-                <a:solidFill>
-                  <a:schemeClr val="dk1"/>
-                </a:solidFill>
-                <a:latin typeface="+mn-lt"/>
-                <a:ea typeface="+mn-ea"/>
-                <a:cs typeface="+mn-cs"/>
-              </a:defRPr>
-            </a:lvl1pPr>
-            <a:lvl2pPr marL="457200" indent="0">
-              <a:defRPr sz="1100">
-                <a:solidFill>
-                  <a:schemeClr val="dk1"/>
-                </a:solidFill>
-                <a:latin typeface="+mn-lt"/>
-                <a:ea typeface="+mn-ea"/>
-                <a:cs typeface="+mn-cs"/>
-              </a:defRPr>
-            </a:lvl2pPr>
-            <a:lvl3pPr marL="914400" indent="0">
-              <a:defRPr sz="1100">
-                <a:solidFill>
-                  <a:schemeClr val="dk1"/>
-                </a:solidFill>
-                <a:latin typeface="+mn-lt"/>
-                <a:ea typeface="+mn-ea"/>
-                <a:cs typeface="+mn-cs"/>
-              </a:defRPr>
-            </a:lvl3pPr>
-            <a:lvl4pPr marL="1371600" indent="0">
-              <a:defRPr sz="1100">
-                <a:solidFill>
-                  <a:schemeClr val="dk1"/>
-                </a:solidFill>
-                <a:latin typeface="+mn-lt"/>
-                <a:ea typeface="+mn-ea"/>
-                <a:cs typeface="+mn-cs"/>
-              </a:defRPr>
-            </a:lvl4pPr>
-            <a:lvl5pPr marL="1828800" indent="0">
-              <a:defRPr sz="1100">
-                <a:solidFill>
-                  <a:schemeClr val="dk1"/>
-                </a:solidFill>
-                <a:latin typeface="+mn-lt"/>
-                <a:ea typeface="+mn-ea"/>
-                <a:cs typeface="+mn-cs"/>
-              </a:defRPr>
-            </a:lvl5pPr>
-            <a:lvl6pPr marL="2286000" indent="0">
-              <a:defRPr sz="1100">
-                <a:solidFill>
-                  <a:schemeClr val="dk1"/>
-                </a:solidFill>
-                <a:latin typeface="+mn-lt"/>
-                <a:ea typeface="+mn-ea"/>
-                <a:cs typeface="+mn-cs"/>
-              </a:defRPr>
-            </a:lvl6pPr>
-            <a:lvl7pPr marL="2743200" indent="0">
-              <a:defRPr sz="1100">
-                <a:solidFill>
-                  <a:schemeClr val="dk1"/>
-                </a:solidFill>
-                <a:latin typeface="+mn-lt"/>
-                <a:ea typeface="+mn-ea"/>
-                <a:cs typeface="+mn-cs"/>
-              </a:defRPr>
-            </a:lvl7pPr>
-            <a:lvl8pPr marL="3200400" indent="0">
-              <a:defRPr sz="1100">
-                <a:solidFill>
-                  <a:schemeClr val="dk1"/>
-                </a:solidFill>
-                <a:latin typeface="+mn-lt"/>
-                <a:ea typeface="+mn-ea"/>
-                <a:cs typeface="+mn-cs"/>
-              </a:defRPr>
-            </a:lvl8pPr>
-            <a:lvl9pPr marL="3657600" indent="0">
-              <a:defRPr sz="1100">
-                <a:solidFill>
-                  <a:schemeClr val="dk1"/>
-                </a:solidFill>
-                <a:latin typeface="+mn-lt"/>
-                <a:ea typeface="+mn-ea"/>
-                <a:cs typeface="+mn-cs"/>
-              </a:defRPr>
-            </a:lvl9pPr>
-          </a:lstStyle>
-          <a:p>
-            <a:endParaRPr lang="en-US" sz="1200" b="1" i="0" dirty="0">
-              <a:latin typeface="Segoe UI" panose="020B0502040204020203" pitchFamily="34" charset="0"/>
-              <a:cs typeface="Segoe UI" panose="020B0502040204020203" pitchFamily="34" charset="0"/>
-            </a:endParaRPr>
-          </a:p>
-        </p:txBody>
-      </p:sp>
-      <mc:AlternateContent xmlns:mc="http://schemas.openxmlformats.org/markup-compatibility/2006">
-        <mc:Choice xmlns:we="http://schemas.microsoft.com/office/webextensions/webextension/2010/11" xmlns:pca="http://schemas.microsoft.com/office/powerpoint/2013/contentapp" Requires="we pca">
-          <p:graphicFrame>
-            <p:nvGraphicFramePr>
-              <p:cNvPr id="2" name="Add-in 1" title="Microsoft Power BI">
-                <a:extLst>
-                  <a:ext uri="{FF2B5EF4-FFF2-40B4-BE49-F238E27FC236}">
-                    <a16:creationId xmlns:a16="http://schemas.microsoft.com/office/drawing/2014/main" id="{7EB8D70A-72A2-9451-2FC3-BD2645732CB2}"/>
-                  </a:ext>
-                </a:extLst>
-              </p:cNvPr>
-              <p:cNvGraphicFramePr>
-                <a:graphicFrameLocks noGrp="1"/>
-              </p:cNvGraphicFramePr>
-              <p:nvPr>
-                <p:extLst>
-                  <p:ext uri="{D42A27DB-BD31-4B8C-83A1-F6EECF244321}">
-                    <p14:modId xmlns:p14="http://schemas.microsoft.com/office/powerpoint/2010/main" val="1811942411"/>
-                  </p:ext>
-                </p:extLst>
-              </p:nvPr>
-            </p:nvGraphicFramePr>
-            <p:xfrm>
-              <a:off x="687753" y="289168"/>
-              <a:ext cx="10980615" cy="6135077"/>
-            </p:xfrm>
-            <a:graphic>
-              <a:graphicData uri="http://schemas.microsoft.com/office/webextensions/webextension/2010/11">
-                <we:webextensionref xmlns:we="http://schemas.microsoft.com/office/webextensions/webextension/2010/11" xmlns:r="http://schemas.openxmlformats.org/officeDocument/2006/relationships" r:id="rId2"/>
-              </a:graphicData>
-            </a:graphic>
-          </p:graphicFrame>
-        </mc:Choice>
-        <mc:Fallback>
-          <p:pic>
-            <p:nvPicPr>
-              <p:cNvPr id="2" name="Add-in 1" title="Microsoft Power BI">
-                <a:extLst>
-                  <a:ext uri="{FF2B5EF4-FFF2-40B4-BE49-F238E27FC236}">
-                    <a16:creationId xmlns:a16="http://schemas.microsoft.com/office/drawing/2014/main" id="{7EB8D70A-72A2-9451-2FC3-BD2645732CB2}"/>
-                  </a:ext>
-                </a:extLst>
-              </p:cNvPr>
-              <p:cNvPicPr>
-                <a:picLocks noGrp="1" noRot="1" noChangeAspect="1" noMove="1" noResize="1" noEditPoints="1" noAdjustHandles="1" noChangeArrowheads="1" noChangeShapeType="1"/>
-              </p:cNvPicPr>
-              <p:nvPr/>
-            </p:nvPicPr>
-            <p:blipFill>
-              <a:blip r:embed="rId3"/>
-              <a:stretch>
-                <a:fillRect/>
-              </a:stretch>
-            </p:blipFill>
-            <p:spPr>
-              <a:xfrm>
-                <a:off x="687753" y="289168"/>
-                <a:ext cx="10980615" cy="6135077"/>
-              </a:xfrm>
-              <a:prstGeom prst="rect">
-                <a:avLst/>
-              </a:prstGeom>
-            </p:spPr>
-          </p:pic>
-        </mc:Fallback>
-      </mc:AlternateContent>
-      <p:sp>
-        <p:nvSpPr>
-          <p:cNvPr id="4" name="Title 3">
-            <a:extLst>
-              <a:ext uri="{FF2B5EF4-FFF2-40B4-BE49-F238E27FC236}">
-                <a16:creationId xmlns:a16="http://schemas.microsoft.com/office/drawing/2014/main" id="{FC8A1A04-0046-45C8-1577-9D5983A86865}"/>
-              </a:ext>
-            </a:extLst>
-          </p:cNvPr>
-          <p:cNvSpPr>
-            <a:spLocks noGrp="1"/>
-          </p:cNvSpPr>
-          <p:nvPr>
-            <p:ph type="ctrTitle"/>
-          </p:nvPr>
-        </p:nvSpPr>
-        <p:spPr/>
-        <p:txBody>
-          <a:bodyPr/>
-          <a:lstStyle/>
-          <a:p>
-            <a:endParaRPr lang="en-IN" dirty="0"/>
-          </a:p>
-        </p:txBody>
-      </p:sp>
-    </p:spTree>
-    <p:extLst>
-      <p:ext uri="{BB962C8B-B14F-4D97-AF65-F5344CB8AC3E}">
-        <p14:creationId xmlns:p14="http://schemas.microsoft.com/office/powerpoint/2010/main" val="2282759447"/>
-      </p:ext>
-    </p:extLst>
-  </p:cSld>
-  <p:clrMapOvr>
-    <a:masterClrMapping/>
-  </p:clrMapOvr>
-</p:sld>
-</file>
-
-<file path=ppt/slides/slide3.xml><?xml version="1.0" encoding="utf-8"?>
-<p:sld xmlns:a="http://schemas.openxmlformats.org/drawingml/2006/main" xmlns:r="http://schemas.openxmlformats.org/officeDocument/2006/relationships" xmlns:p="http://schemas.openxmlformats.org/presentationml/2006/main">
-  <p:cSld>
-    <p:spTree>
-      <p:nvGrpSpPr>
-        <p:cNvPr id="1" name=""/>
-        <p:cNvGrpSpPr/>
-        <p:nvPr/>
-      </p:nvGrpSpPr>
-      <p:grpSpPr>
-        <a:xfrm>
-          <a:off x="0" y="0"/>
-          <a:ext cx="0" cy="0"/>
-          <a:chOff x="0" y="0"/>
-          <a:chExt cx="0" cy="0"/>
-        </a:xfrm>
-      </p:grpSpPr>
-      <p:sp>
-        <p:nvSpPr>
-          <p:cNvPr id="2" name="Title 1">
-            <a:extLst>
-              <a:ext uri="{FF2B5EF4-FFF2-40B4-BE49-F238E27FC236}">
-                <a16:creationId xmlns:a16="http://schemas.microsoft.com/office/drawing/2014/main" id="{D34C8AEA-15BD-7D97-9E07-9D1E726F7509}"/>
-              </a:ext>
-            </a:extLst>
-          </p:cNvPr>
-          <p:cNvSpPr>
-            <a:spLocks noGrp="1"/>
-          </p:cNvSpPr>
-          <p:nvPr>
-            <p:ph type="title"/>
-          </p:nvPr>
-        </p:nvSpPr>
-        <p:spPr/>
-        <p:txBody>
-          <a:bodyPr/>
-          <a:lstStyle/>
-          <a:p>
-            <a:endParaRPr lang="en-IN"/>
-          </a:p>
-        </p:txBody>
-      </p:sp>
-      <p:sp>
-        <p:nvSpPr>
-          <p:cNvPr id="3" name="Content Placeholder 2">
-            <a:extLst>
-              <a:ext uri="{FF2B5EF4-FFF2-40B4-BE49-F238E27FC236}">
-                <a16:creationId xmlns:a16="http://schemas.microsoft.com/office/drawing/2014/main" id="{8B6D2E57-45C2-F913-6D34-AF5B99222EE8}"/>
-              </a:ext>
-            </a:extLst>
-          </p:cNvPr>
-          <p:cNvSpPr>
-            <a:spLocks noGrp="1"/>
-          </p:cNvSpPr>
-          <p:nvPr>
-            <p:ph idx="1"/>
-          </p:nvPr>
-        </p:nvSpPr>
-        <p:spPr/>
-        <p:txBody>
-          <a:bodyPr/>
-          <a:lstStyle/>
-          <a:p>
-            <a:endParaRPr lang="en-IN" dirty="0"/>
-          </a:p>
-        </p:txBody>
-      </p:sp>
-    </p:spTree>
-    <p:extLst>
-      <p:ext uri="{BB962C8B-B14F-4D97-AF65-F5344CB8AC3E}">
-        <p14:creationId xmlns:p14="http://schemas.microsoft.com/office/powerpoint/2010/main" val="4021449022"/>
-      </p:ext>
-    </p:extLst>
-  </p:cSld>
-  <p:clrMapOvr>
-    <a:masterClrMapping/>
-  </p:clrMapOvr>
-</p:sld>
-</file>
-
 <file path=ppt/tags/tag1.xml><?xml version="1.0" encoding="utf-8"?>
 <p:tagLst xmlns:a="http://schemas.openxmlformats.org/drawingml/2006/main" xmlns:r="http://schemas.openxmlformats.org/officeDocument/2006/relationships" xmlns:p="http://schemas.openxmlformats.org/presentationml/2006/main">
   <p:tag name="FILE_NAME_PARSED_KEY" val="TRUE"/>
@@ -4622,54 +3813,26 @@
 </file>
 
 <file path=ppt/webextensions/webextension1.xml><?xml version="1.0" encoding="utf-8"?>
-<we:webextension xmlns:we="http://schemas.microsoft.com/office/webextensions/webextension/2010/11" id="{eef5883d-00ee-407f-8d35-83c356e79a1f}">
+<we:webextension xmlns:we="http://schemas.microsoft.com/office/webextensions/webextension/2010/11" id="{78dfd3cb-1d44-4d6c-b7b6-00f049845e90}">
   <we:reference id="WA200003233" version="2.0.0.3" store="en-US" storeType="OMEX"/>
   <we:alternateReferences/>
   <we:properties>
     <we:property name="Microsoft.Office.CampaignId" value="&quot;none&quot;"/>
-    <we:property name="reportUrl" value="&quot;/groups/me/reports/d9e39f60-5971-45bb-9807-38994040428c/ReportSectione5dbf0845edfd9c8fc52?bookmarkGuid=6bcf2c50-5ba8-46f7-b3dc-a244366c6cde&amp;bookmarkUsage=1&amp;ctid=510fbeca-7d2d-4791-9a4c-4ed583336b67&amp;fromEntryPoint=export&quot;"/>
+    <we:property name="reportUrl" value="&quot;/groups/me/reports/d9e39f60-5971-45bb-9807-38994040428c/ReportSection98d5a0845e9010c76032?bookmarkGuid=7c275876-2194-4c86-a506-edf489d18e53&amp;bookmarkUsage=1&amp;ctid=510fbeca-7d2d-4791-9a4c-4ed583336b67&amp;fromEntryPoint=export&quot;"/>
     <we:property name="reportState" value="&quot;CONNECTED&quot;"/>
-    <we:property name="reportEmbeddedTime" value="&quot;2023-07-13T19:33:40.566Z&quot;"/>
-    <we:property name="creatorSessionId" value="&quot;4fcc6e17-f49a-4bbe-9750-575ad9e9576b&quot;"/>
+    <we:property name="reportEmbeddedTime" value="&quot;2023-07-13T19:45:56.877Z&quot;"/>
+    <we:property name="creatorSessionId" value="&quot;0e5b91b6-13c1-4fdc-9ba9-66f58fefec4b&quot;"/>
     <we:property name="creatorUserId" value="&quot;10032002AC3BD0A1&quot;"/>
     <we:property name="creatorTenantId" value="&quot;510fbeca-7d2d-4791-9a4c-4ed583336b67&quot;"/>
     <we:property name="reportName" value="&quot;t20ipl2023&quot;"/>
     <we:property name="isFiltersActionButtonVisible" value="true"/>
-    <we:property name="initialStateBookmark" value="&quot;H4sIAAAAAAAAA+1abW/bNhD+K4GAfQsGvkpivyVZAgx9C5IiGzAUxZE8OmplyZDkLlmR/76j5DYvdezETmtvbT4k4Yk8PrzndLwj9SnxRTsp4fIVjDF5luzX9YcxNB92eLKbVDPZ69fPX+6dPH/3au/lIYnrSVfUVZs8+5R00IywOyvaKZRRAwn/erubQFkewyi2ApQt7iYTbNq6grL4B4fO9Khrpni1m+DFpKwbiCpPO+gwqv1I3alNc/NfJc0Iris+4im6bpCe4KRuulkbtbeB5UqjD964PDgtaEw7PO1hLu8fJ+2BHdRVB0VFAKIMlOGKeaVVUMJpmXHrorwtqlE5W8r12DeXk2gv6KfZn3YdgSVz2fc0cVR3dUXrzXNrdUgRhHXKSCW01GuqzLgAUJkGb0EKYxy4dE2VgqVWCo70K1Vp6rTKxJoqtbXWCyVUnoMGk8og11VJpChlURvurdBWc8nVUpXtOdDfr3RJboBx4wM30ucKtEz5qrrAalJkFCqjMszSHPPlhBRjemXm4Apaep/mzAkhpSXHsXZVXCFYZzmEFLRxEnPB+Nq+p5A8JUjuMqZRKYR0Xd8LCk2eC8msC8CBKROyVVdspVMpqeAyRYJoHPESx4ai7GbvuL08vJg0FLgonA269vxHqBx6Ujf0i93OPscksZscNfW4HzCLmpZ6HlZd0V3GBnRRNcWylsQDPHZFUfGPc2ywH0ZBxhdDLIuN8QSaor3bel5UPnmmdpMXGLr4aG80anAEn8dF1Ni2X7SU0/Ec+Wk9bRyeYLhu9ICjcY6bmgJzD3qfQJN5d47rdgAWnx9Nq1nEZbF5UozOeyAvClrgwMEZlNOoULygEfTzdojoNwCsj3quZVfAf17/fdAgbTFkVn61u5V08+9Edz2tPDSXO788lmjNNs30Qug/Of5iqD3KouKOcttKfBnBctMEL8B9k132Y7N72jXFB9w5iRnzIxmmjHbDFC8B/5PmL5Z6CZ07x/axUVpumOAFsO8j94BEo7opHK3kLugnw3VMlS65zQOdbBOWO5lWjzLbvXC/bWq1pda7NzmYE1fiu7GwpOjAlnh4cbuooEbjsdm/7APGb0Xz+VCCws/h1vgLLY5EHjymkAcIAazkmc2HQmp+8TM77TnqHwoulVZUBhubacFyi5iTIX7cQDw/K1keiDe91S7A/dU7fMsDGMulQRskFeMqywSkXG29B6xJ8u9VRQFhsOFq2+uT8XYTyldFzS2iwHCNATSm0nNheSo4+78TdSfOr1iwfqttZzFfqREGJIOMaxY0EnHWbydf6un4mpdDrHae9P3ymnnUOZ8aqYO0KqTMWivsNXVv6smrzaSutwM35Fbm2nFkLON5LqwT2+lfGy+Vl27f21wqz9nDl6a0retnOjiHprub1w6XbDT1+xs3Z7Oq7HJG7VP7MnnOn73qDSdDb/vLAuZShQ6t4oy2UQ864+aB+TL3gikBNlNWCOQSmJ2fLX0zH3L12BYV+ncLg92DD9eWupKDxm9BabTmsodCyUAmpfTojGIZQrym1PcTvx2l7qPO0P4rbK663oFGmWolmAxpCE6ygMoZv+00PumJxfazuGi5A4mMahlpHWTEngwmtblnUfvioxq86Gx956imv4lPVa7jdwGcaSnoJYfH3f9u5i6zLNudI4gIfgifWLTefmuO0usFJGNsRv13QvW0ayc07hiqIfmcDFoL7PsReVB59LP/m3uSvPghUtLPQYYrbIkP7D/D9i9nqYBEQyUAAA==&quot;"/>
-    <we:property name="bookmark" value="&quot;H4sIAAAAAAAAA+1abW/bNhD+K4GAfQsGvkpivyVZAgx9C5IiGzAUxZE8OmplyZDkLlmR/76j5DYvdezETmtvbT4k4Yk8PrzndLwj9SnxRTsp4fIVjDF5luzX9YcxNB92eLKbVDPZ69fPX+6dPH/3au/lIYnrSVfUVZs8+5R00IywOyvaKZRRAwn/erubQFkewyi2ApQt7iYTbNq6grL4B4fO9Khrpni1m+DFpKwbiCpPO+gwqv1I3alNc/NfJc0Iris+4im6bpCe4KRuulkbtbeB5UqjD964PDgtaEw7PO1hLu8fJ+2BHdRVB0VFAKIMlOGKeaVVUMJpmXHrorwtqlE5W8r12DeXk2gv6KfZn3YdgSVz2fc0cVR3dUXrzXNrdUgRhHXKSCW01GuqzLgAUJkGb0EKYxy4dE2VgqVWCo70K1Vp6rTKxJoqtbXWCyVUnoMGk8og11VJpChlURvurdBWc8nVUpXtOdDfr3RJboBx4wM30ucKtEz5qrrAalJkFCqjMszSHPPlhBRjemXm4Apaep/mzAkhpSXHsXZVXCFYZzmEFLRxEnPB+Nq+p5A8JUjuMqZRKYR0Xd8LCk2eC8msC8CBKROyVVdspVMpqeAyRYJoHPESx4ai7GbvuL08vJg0FLgonA269vxHqBx6Ujf0i93OPscksZscNfW4HzCLmpZ6HlZd0V3GBnRRNcWylsQDPHZFUfGPc2ywH0ZBxhdDLIuN8QSaor3bel5UPnmmdpMXGLr4aG80anAEn8dF1Ni2X7SU0/Ec+Wk9bRyeYLhu9ICjcY6bmgJzD3qfQJN5d47rdgAWnx9Nq1nEZbF5UozOeyAvClrgwMEZlNOoULygEfTzdojoNwCsj3quZVfAf17/fdAgbTFkVn61u5V08+9Edz2tPDSXO788lmjNNs30Qug/Of5iqD3KouKOcttKfBnBctMEL8B9k132Y7N72jXFB9w5iRnzIxmmjHbDFC8B/5PmL5Z6CZ07x/axUVpumOAFsO8j94BEo7opHK3kLugnw3VMlS65zQOdbBOWO5lWjzLbvXC/bWq1pda7NzmYE1fiu7GwpOjAlnh4cbuooEbjsdm/7APGb0Xz+VCCws/h1vgLLY5EHjymkAcIAazkmc2HQmp+8TM77TnqHwoulVZUBhubacFyi5iTIX7cQDw/K1keiDe91S7A/dU7fMsDGMulQRskFeMqywSkXG29B6xJ8u9VRQFhsOFq2+uT8XYTyldFzS2iwHCNATSm0nNheSo4+78TdSfOr1iwfqttZzFfqREGJIOMaxY0EnHWbydf6un4mpdDrHae9P3ymnnUOZ8aqYO0KqTMWivsNXVv6smrzaSutwM35Fbm2nFkLON5LqwT2+lfGy+Vl27f21wqz9nDl6a0retnOjiHprub1w6XbDT1+xs3Z7Oq7HJG7VP7MnnOn73qDSdDb/vLAuZShQ6t4oy2UQ864+aB+TL3gikBNlNWCOQSmJ2fLX0zH3L12BYV+ncLg92DD9eWupKDxm9BabTmsodCyUAmpfTojGIZQrym1PcTvx2l7qPO0P4rbK663oFGmWolmAxpCE6ygMoZv+00PumJxfazuGi5A4mMahlpHWTEngwmtblnUfvioxq86Gx956imv4lPVa7jdwGcaSnoJYfH3f9u5i6zLNudI4gIfgifWLTefmuO0usFJGNsRv13QvW0ayc07hiqIfmcDFoL7PsReVB59LP/m3uSvPghUtLPQYYrbIkP7D/D9i9nqYBEQyUAAA==&quot;"/>
+    <we:property name="initialStateBookmark" value="&quot;H4sIAAAAAAAAA+1a227bOBD9lUDAvhkLXkWyb002ARZbFEFSdBdY9IGXoaNWlgxJbuMt8u87ktzWcZ0ojttaSJuHJKTI4Zk5wxlypI9JyOp5bpcv7QySZ8lxWb6b2erdEU0mSXG7z1NhJZMeOI3Og9PGCBxVzpusLOrk2ceksdUUmtdZvbB5KxA7/30zSWyen9tp24o2r2GSzKGqy8Lm2X/QD8ZHTbWAm0kC1/O8rGwr8rKxDbRi3+NwbCMU+jvHFa1vsvdwCb7pey9gXlbNqm10kJZoIcEQSrxKCWc4p+6fdjCHx7eLdsBOyqKxWYEA2j6vjLOgBRgXvWaAvzuAdVZM85UqX+a+Ws5b89VXFv+indxbXLGVc3ODihrvRao0eGMpSMlVcHxQlu0gHy+aBhX/WqSTUqYhSCVkaqXQgsQ9RUYhjCIWbOCeU88CT+WeIlmAIFBtLygoZ2wQnu4pUrtoKTNcK+aEkZJFYvcU6T1oUJRFx1Giodo683iqg1EyNUpL4DIGT4x7rCzBwVkWolPSOeGj5DDsNnfIUtFRwTlJjSap5kJT6fc1WxotIUixNjIqoMbHsKdIiADeU624Y4iTRi7IoMhshgFni8aBBGMCk1RFY6wGB8PufIf1NMZClTIlDGUMSMpwQw/KauC6ceX1FsPxqLVgVmvjIWWOK9NpGbO8WUUftzy9nlcYUjHQ9tKeh/e28BBQXD+uHfb6U7Rkk+SsKmfdhFV4dzjytGiyZtk2bNOKxihbY3cPkNxgvP77CiropmH4C1kfZdvGbG6rrN5s/ZUVyDGdJC8gNu2j59NpBVP7aV6LGur6s5R8MdvSf1kuKg8XEL80OsCtcc6rElNGB/o5JoOW2rb7bFGsUgBtmxfZ9Kpb/0WGevXGf23zRSuHyRc4BX/e9DlmbeH90W616MNxX5UfTirAXBda+09+ZnYvmyp7B0cXbeLfkWHKyYEpHgD/i+bPljrGE2F9dGZbrXelmR2Y5QHsv1j+bKk/iwJTYb1hJTLEMD8wwffA/kXu2jZoGjTT0XlZ98B2ZFkcfBsP41+nm67RfYJd07LKPKq0if6bATzHSzk60gPd7juB2GqlneH8GEYvFsXmpn1oRD6IA5aLIthqefTb6ECXH/KdYuOYEZ/6sihny2HEbSC6/+pmXQ6nG1c3bFQBquNlF6b/yKpPRSkM+qej2QSoXFs6iIrgNdooTSmoCJw7t8sVc9TXpkH6vK3CuLm7U9eePi1SyQ1zTijPdExJJOnY6dvpSvQEKLxX355GJhUyKQjFbeip5qkJYhw03h1EnyaNj9S3p1EBMV4GITilMgrHpRhJMP0RuXD8FN6pa0+fJIYG7iDFLIjJ0KrVm5zt9K1ehJ11D6lUkoMD41MIqQtCeo+2+Hmvgtvz1uANcKQl2e0X/VseYIX3hkfpKOdEhchSKUfvAd+wmPO46s13KdB8dUW/TRShHs+5xgoZKXOeenjyRG3WJx9ZTP1u9dL7GVNSWnAGNMZVZQXD2Jw+fca2FFkeVzv7cYWfr6kzzgcSSEptpF46oqRd22yvyvnLwxTLboFkwVpulcKrMPdWEk60Gr1/HeaN22ACH/Mbty1ZfPBQW/tupZMrWzWbh9v+kyNc+u3ad0SrOvByRe239mX0nH860Qc+Dr3pOL5Zt0gyg2raHZjLRVPPMbif26J38XkvMYNuHHqFLQKE1f/VHa7UfvyVdGsgI5nL4YHjV+D+B0IkJeLGJgAA&quot;"/>
+    <we:property name="bookmark" value="&quot;H4sIAAAAAAAAA+1abW/bNhD+K4GAfTMGvkpivzVZAgzriiApugFDMRzJo6NWlgxJ7uIV+e89Sm7zUsdO7LT21uZDElLk8bl7Tsc7Uh8SX7TTEuYvYYLJs+Swrt9NoHl3wJNRUt3u02iZ984ZzkPIBHNcGBpVT7uirtrk2Yekg2aM3euinUEZBVLnX29GCZTlKYxjK0DZ4iiZYtPWFZTFvzgMpkddM8OrUYKX07JuIIo876DDKPY9Dac2QeE/S1oRXFe8x3N03dB7htO66RZt1N4GliuNPnjj8uC0oDnt8LSHuX58XLQHdlRXHRQVAYh9oAxXzCutghJOy4xbF/vbohqXC1Wu576aT6P5oF/mcNZ1BJbMZd/SwlHc1RXpm+fW6pAiCOuUkUpoqbcUmXEBoDIN3oIUxjhw6ZYiBUutFBzpV6rS1GmViS1FamutF0qoPAcNJpVBbiuSSFHKojbcW6Gt5pKrtSLbC6C/X8iS3ADjxgdupM8VaJnyTWWB1STIKFRGZZilOebrCSkm9MoswRW09D7NmRNCSkuOY+2muEKwznIIKWjjJOaC8a19TyF5SpDcZUyjUgjptr4XFJo8F5JZF4ADUyZkm2pspVMpieAyRYJoHPES54ai7BbvuJ0fX04bClwUzgZZz/17qBx6EjeMi8Nef4pJYpScNPWkn7AIopZGHldd0c1jA7oommJZS90DPHZFUfGPC2ywn0ZBxhdDLIuNyRSaor3b+q2ofPJMjZIXGLr46Pl43OAYPs2LqLFtP0spZ5Ml/ef1rHF4huG60QOOxjltagrMPehDAk3mPTit2wFYfH4yqxYRl8XmWTG+6IG8KEjBgYPXUM6iQPGCZtDPmyGi3wCwPeqllt0A/0X9z1GDtMWQWfnVaC/p5t+I7npWeWjmBz89lmjNds30Sug/OP5sqOeURcUd5baV+DqC5a4JXoH7Jrvs+2b3vGuKd3hwFjPmRzJMGe2OKV4D/gfNny31O3TuAtvHRmm5Y4JXwL6P3CPqGtdN4UiTu6CfDNcpFb7kNg90sl1Y7mxWPcps98L9uqnVnlrv3uRgSVyJ78bKkqIDW+Lx5e2ighqNx+Zw3geMX4rm06EEhZ/jvfEXUo66PHhMIQ8QAljJM5sPhdTy4mdx+HPSPxRcKq2oDDY204LlFjEnQ3y/gXh5VrI+EO96q12B+4t3+JYHMJZLgzZIKsZVlglIudp7D9iS5F+rigLCYMPNttcn4+0mlC+KmltEgeEaA2hMpefC8lRw9n8n6k6c37Bg/Vrbzmq+UiMMSAYZ1yxoJOKs30++1NPxtSyH2Ow86dvlNcuocz41UgdpVUiZtVbYa+pe1dOXu0ldbwduyK3MtePIWMbzXFgn9tO/dl4qr92+97lUXrKHr01pW9evdHQBTXc3rx0u2WjptzduzhZV2XxB7VP7MnnOn73oHSdDb/rLAuZShQ6t4oy2UQ864+aB+TL3gikBNlNWCOQSmF2eLX01H3L1xBYV+r9XBrsHH66tdSUHjd+D0mhLtYdCyUAmpfTojGIZQrym1PcTvx+l7qPO0P4rbG6q70CjTLUSTIY0BCdZQOWM33can/TEYv9ZXKXuQCKjWkZaBxmxJ4NJbe5ZlL76qAYvO1vfOarpb+JTlev4XQBnWgp6yeFx97+7ucssy/bgBCKC78InVunbb82x91qBZILNuP9OqJ517ZTmnUI1JJ/TQWqB/TgiDyqPfvF/c0+SFz9ESvo1yHCFLfGB4xfYPgL2yKm6UiUAAA==&quot;"/>
     <we:property name="embedUrl" value="&quot;/reportEmbed?reportId=d9e39f60-5971-45bb-9807-38994040428c&amp;config=eyJjbHVzdGVyVXJsIjoiaHR0cHM6Ly9XQUJJLVNPVVRILUVBU1QtQVNJQS1yZWRpcmVjdC5hbmFseXNpcy53aW5kb3dzLm5ldCIsImVtYmVkRmVhdHVyZXMiOnsibW9kZXJuRW1iZWQiOnRydWUsInVzYWdlTWV0cmljc1ZOZXh0Ijp0cnVlfX0%3D&amp;disableSensitivityBanner=true&quot;"/>
     <we:property name="datasetId" value="&quot;9a42f87b-4f2b-448f-a913-49440e8c9d19&quot;"/>
-    <we:property name="pageName" value="&quot;ReportSectione5dbf0845edfd9c8fc52&quot;"/>
-    <we:property name="pageDisplayName" value="&quot;Dashboard&quot;"/>
+    <we:property name="pageName" value="&quot;ReportSection98d5a0845e9010c76032&quot;"/>
+    <we:property name="pageDisplayName" value="&quot;finisher&quot;"/>
     <we:property name="backgroundColor" value="&quot;#105959&quot;"/>
-  </we:properties>
-  <we:bindings/>
-  <we:snapshot xmlns:r="http://schemas.openxmlformats.org/officeDocument/2006/relationships" r:embed="rId1"/>
-</we:webextension>
-</file>
-
-<file path=ppt/webextensions/webextension2.xml><?xml version="1.0" encoding="utf-8"?>
-<we:webextension xmlns:we="http://schemas.microsoft.com/office/webextensions/webextension/2010/11" id="{6F71B176-41C0-4349-9867-BD7FEE790CBE}">
-  <we:reference id="wa200003233" version="2.0.0.3" store="en-US" storeType="OMEX"/>
-  <we:alternateReferences>
-    <we:reference id="wa200003233" version="2.0.0.3" store="wa200003233" storeType="OMEX"/>
-  </we:alternateReferences>
-  <we:properties>
-    <we:property name="reportUrl" value="&quot;/groups/me/reports/d9e39f60-5971-45bb-9807-38994040428c/ReportSectione5dbf0845edfd9c8fc52?bookmarkGuid=6bcf2c50-5ba8-46f7-b3dc-a244366c6cde&amp;bookmarkUsage=1&amp;ctid=510fbeca-7d2d-4791-9a4c-4ed583336b67&amp;fromEntryPoint=export&quot;"/>
-    <we:property name="reportName" value="&quot;t20ipl2023&quot;"/>
-    <we:property name="reportState" value="&quot;CONNECTED&quot;"/>
-    <we:property name="embedUrl" value="&quot;/reportEmbed?reportId=d9e39f60-5971-45bb-9807-38994040428c&amp;config=eyJjbHVzdGVyVXJsIjoiaHR0cHM6Ly9XQUJJLVNPVVRILUVBU1QtQVNJQS1yZWRpcmVjdC5hbmFseXNpcy53aW5kb3dzLm5ldCIsImVtYmVkRmVhdHVyZXMiOnsibW9kZXJuRW1iZWQiOnRydWUsInVzYWdlTWV0cmljc1ZOZXh0Ijp0cnVlfX0%3D&amp;disableSensitivityBanner=true&quot;"/>
-    <we:property name="pageName" value="&quot;ReportSectione5dbf0845edfd9c8fc52&quot;"/>
-    <we:property name="pageDisplayName" value="&quot;Dashboard&quot;"/>
-    <we:property name="datasetId" value="&quot;9a42f87b-4f2b-448f-a913-49440e8c9d19&quot;"/>
-    <we:property name="backgroundColor" value="&quot;#105959&quot;"/>
-    <we:property name="bookmark" value="&quot;H4sIAAAAAAAAA+VZUW/bNhD+K4KAoRlgDCRFUWTfEjdpuyxbEBcZhiEojuTJVitLhiQn8YL8950kZ23TOHZSFHWyl8Qkj3f38T6Sd9RV6LN6lsPid5hi+DLcK8uPU6g+BjwchMWXfcZ5k8ZMADOJl9x76zxJlbMmK4s6fHkVNlCNsTnN6jnkrULq/PtsEEKeH8O4baWQ1zgIZ1jVZQF59g/2wjTUVHO8HoR4OcvLClqVowYabNWekzi1yRX+S0QWwTXZOY7QNX3vCc7Kqlm2JQKP41hKw5SWSeq4bb2s+9HOzfXyrdHOsWFZNJAV5EDbFxNixQU3GuM4lSo2KW/766wY50son+a+W8za5asnQP9pnewHstjqub4moKBV4iNtlU9SJiw4z/VjdSVKxU5Lj8LFiUARWafW6oIO/t68aWgRv1LJmY0TzX3MEvpjpeRCfqPK1BrkJmIJwxSVTYSW8WMRGxunNkUXe58CczoB2+lKs7xZBssu9i9nFTHw6obIB92gwNQbFykWSZZSAJjWCRloenu7/hwKhy1liIoV1j3zrsJhmc+n3a/9L/pH5bxyeIJpN1Q0WbMgNa6cWqKNf18Tieuwdfm4Kon33egxbTisut5JeTGskIhOpGPXg1u+KpZ4bk0khFeJFtIJqzfwdXc8rnAMzbK5/92A7EHTUPSCXdqitMO74YN5sdyYfCOAivEo4cYllkulImu3EeCoqbKPGJy0J9KDQQqpU+OZlGmsuYGYcyu2CeS+K4tyung4MC1QpxFa5qV20nktEtgmYHvlRf5N9EydjaRjdMYoEaPUBmO/jQAfSs8tAjAvPFSL4Ken5fdwXjflNLg5Hv6o/PI8/4SAfY3gjHruve1m2XnZvAOb37ryqNFa2Ft019mrrLrJffjgFpgtW4Hrs5t0jaZ++DwHKy/qDsx3uVfPuiTBg08VRKbNYEykUGswj07XRMLBgYsEJS4KZYwRW51wbA1PH3V/raWpg8pvSFDxwwi6EfSWKYNQRD6JgEoAo1XKAJQB/ySCm+d1cACtE/+boN4DuQ8mChYboaRnkDCndMTj6EkE84Gp9HMJ6BrYfVAZN15ZR3WtYNZTqulM8hSC+pj87JkEdhPoy+DK1DpOlV8q6BCOLLXTJxDcjcum5xHQlXD7IHJJN6emADpQMXrOAO3qIN6qsmLtGKcCWWJsGEfhNykjjxDqeYWbojvExfvllBWJYzDCfLnOt4PIt6r6eHBd+zwYuBZ2z0TltI1ikCpyUSJMElljH5v2e8+90YInsUqYpMyf8v+1R9OQln1cVpkjOz/kGXFtuOs8czTzc7jhFKtxt5nGWND65h2iWW8tw/oT6i9/nd48zhMvDqpy2k1bfk1wZGEVlkHY+8LaEvHPCbYbuSsHC5/dUOntrYV6QMXYNzofVhaJg/AU8nn3lYLU/pY1PeyrvptEX+yeBMe0qHmw82r484tuzgrJg8DPg+O89aYOdk6Ge/eLv/41OILLC8zzDYTfBIc5QI1FsDM6eXO/7NFRMJpANYVg5/W7NaLlBKZT9O2EabaB/Ch4NSkLkhyODu8XHU3mdgpF8DprAa5TfBoclpM822AlRrvBX+DhPNg5enu/5Mlu8Ct4/ADrvS3med4On/UHSEcMDw3csQGmpe+2CHY7/m7Le1BnrrV3cx7d+f7xH/O+6wuI5Oi1TEzirJVecG2T9S8gDV42trz8+jBU1jOhlVOcKxMBeOnVE8jTHvLG+FwuytWIe4pf3330l/OmnlFxfQwF3kF/CiAUHv2aLdB+yg07G7R0WfuYuZn80rd/AWdfmx6UHgAA&quot;"/>
-    <we:property name="initialStateBookmark" value="&quot;H4sIAAAAAAAAA+1abW/bNhD+K4GAfQsGvkpivyVZAgx9C5IiGzAUxZE8OmplyZDkLlmR/76j5DYvdezETmtvbT4k4Yk8PrzndLwj9SnxRTsp4fIVjDF5luzX9YcxNB92eLKbVDPZ69fPX+6dPH/3au/lIYnrSVfUVZs8+5R00IywOyvaKZRRAwn/erubQFkewyi2ApQt7iYTbNq6grL4B4fO9Khrpni1m+DFpKwbiCpPO+gwqv1I3alNc/NfJc0Iris+4im6bpCe4KRuulkbtbeB5UqjD964PDgtaEw7PO1hLu8fJ+2BHdRVB0VFAKIMlOGKeaVVUMJpmXHrorwtqlE5W8r12DeXk2gv6KfZn3YdgSVz2fc0cVR3dUXrzXNrdUgRhHXKSCW01GuqzLgAUJkGb0EKYxy4dE2VgqVWCo70K1Vp6rTKxJoqtbXWCyVUnoMGk8og11VJpChlURvurdBWc8nVUpXtOdDfr3RJboBx4wM30ucKtEz5qrrAalJkFCqjMszSHPPlhBRjemXm4Apaep/mzAkhpSXHsXZVXCFYZzmEFLRxEnPB+Nq+p5A8JUjuMqZRKYR0Xd8LCk2eC8msC8CBKROyVVdspVMpqeAyRYJoHPESx4ai7GbvuL08vJg0FLgonA269vxHqBx6Ujf0i93OPscksZscNfW4HzCLmpZ6HlZd0V3GBnRRNcWylsQDPHZFUfGPc2ywH0ZBxhdDLIuN8QSaor3bel5UPnmmdpMXGLr4aG80anAEn8dF1Ni2X7SU0/Ec+Wk9bRyeYLhu9ICjcY6bmgJzD3qfQJN5d47rdgAWnx9Nq1nEZbF5UozOeyAvClrgwMEZlNOoULygEfTzdojoNwCsj3quZVfAf17/fdAgbTFkVn61u5V08+9Edz2tPDSXO788lmjNNs30Qug/Of5iqD3KouKOcttKfBnBctMEL8B9k132Y7N72jXFB9w5iRnzIxmmjHbDFC8B/5PmL5Z6CZ07x/axUVpumOAFsO8j94BEo7opHK3kLugnw3VMlS65zQOdbBOWO5lWjzLbvXC/bWq1pda7NzmYE1fiu7GwpOjAlnh4cbuooEbjsdm/7APGb0Xz+VCCws/h1vgLLY5EHjymkAcIAazkmc2HQmp+8TM77TnqHwoulVZUBhubacFyi5iTIX7cQDw/K1keiDe91S7A/dU7fMsDGMulQRskFeMqywSkXG29B6xJ8u9VRQFhsOFq2+uT8XYTyldFzS2iwHCNATSm0nNheSo4+78TdSfOr1iwfqttZzFfqREGJIOMaxY0EnHWbydf6un4mpdDrHae9P3ymnnUOZ8aqYO0KqTMWivsNXVv6smrzaSutwM35Fbm2nFkLON5LqwT2+lfGy+Vl27f21wqz9nDl6a0retnOjiHprub1w6XbDT1+xs3Z7Oq7HJG7VP7MnnOn73qDSdDb/vLAuZShQ6t4oy2UQ864+aB+TL3gikBNlNWCOQSmJ2fLX0zH3L12BYV+ncLg92DD9eWupKDxm9BabTmsodCyUAmpfTojGIZQrym1PcTvx2l7qPO0P4rbK663oFGmWolmAxpCE6ygMoZv+00PumJxfazuGi5A4mMahlpHWTEngwmtblnUfvioxq86Gx956imv4lPVa7jdwGcaSnoJYfH3f9u5i6zLNudI4gIfgifWLTefmuO0usFJGNsRv13QvW0ayc07hiqIfmcDFoL7PsReVB59LP/m3uSvPghUtLPQYYrbIkP7D/D9i9nqYBEQyUAAA==&quot;"/>
-    <we:property name="isFiltersActionButtonVisible" value="true"/>
-    <we:property name="reportEmbeddedTime" value="&quot;2023-07-13T19:34:36.767Z&quot;"/>
-    <we:property name="creatorTenantId" value="&quot;510fbeca-7d2d-4791-9a4c-4ed583336b67&quot;"/>
-    <we:property name="creatorUserId" value="&quot;10032002AC3BD0A1&quot;"/>
-    <we:property name="creatorSessionId" value="&quot;4dae2ee6-ee1e-4d38-8210-2998062dcf1e&quot;"/>
   </we:properties>
   <we:bindings/>
   <we:snapshot xmlns:r="http://schemas.openxmlformats.org/officeDocument/2006/relationships" r:embed="rId1"/>
